--- a/docs/songs/worthy.pptx
+++ b/docs/songs/worthy.pptx
@@ -309,7 +309,7 @@
             <a:fld id="{26EA1CF3-4A15-4CBF-9A5A-6A56C368BE71}" type="datetimeFigureOut">
               <a:rPr lang="en-GB" smtClean="0"/>
               <a:pPr/>
-              <a:t>05/06/2023</a:t>
+              <a:t>13/01/2025</a:t>
             </a:fld>
             <a:endParaRPr lang="en-GB"/>
           </a:p>
@@ -476,7 +476,7 @@
             <a:fld id="{26EA1CF3-4A15-4CBF-9A5A-6A56C368BE71}" type="datetimeFigureOut">
               <a:rPr lang="en-GB" smtClean="0"/>
               <a:pPr/>
-              <a:t>05/06/2023</a:t>
+              <a:t>13/01/2025</a:t>
             </a:fld>
             <a:endParaRPr lang="en-GB"/>
           </a:p>
@@ -653,7 +653,7 @@
             <a:fld id="{26EA1CF3-4A15-4CBF-9A5A-6A56C368BE71}" type="datetimeFigureOut">
               <a:rPr lang="en-GB" smtClean="0"/>
               <a:pPr/>
-              <a:t>05/06/2023</a:t>
+              <a:t>13/01/2025</a:t>
             </a:fld>
             <a:endParaRPr lang="en-GB"/>
           </a:p>
@@ -820,7 +820,7 @@
             <a:fld id="{26EA1CF3-4A15-4CBF-9A5A-6A56C368BE71}" type="datetimeFigureOut">
               <a:rPr lang="en-GB" smtClean="0"/>
               <a:pPr/>
-              <a:t>05/06/2023</a:t>
+              <a:t>13/01/2025</a:t>
             </a:fld>
             <a:endParaRPr lang="en-GB"/>
           </a:p>
@@ -1063,7 +1063,7 @@
             <a:fld id="{26EA1CF3-4A15-4CBF-9A5A-6A56C368BE71}" type="datetimeFigureOut">
               <a:rPr lang="en-GB" smtClean="0"/>
               <a:pPr/>
-              <a:t>05/06/2023</a:t>
+              <a:t>13/01/2025</a:t>
             </a:fld>
             <a:endParaRPr lang="en-GB"/>
           </a:p>
@@ -1348,7 +1348,7 @@
             <a:fld id="{26EA1CF3-4A15-4CBF-9A5A-6A56C368BE71}" type="datetimeFigureOut">
               <a:rPr lang="en-GB" smtClean="0"/>
               <a:pPr/>
-              <a:t>05/06/2023</a:t>
+              <a:t>13/01/2025</a:t>
             </a:fld>
             <a:endParaRPr lang="en-GB"/>
           </a:p>
@@ -1767,7 +1767,7 @@
             <a:fld id="{26EA1CF3-4A15-4CBF-9A5A-6A56C368BE71}" type="datetimeFigureOut">
               <a:rPr lang="en-GB" smtClean="0"/>
               <a:pPr/>
-              <a:t>05/06/2023</a:t>
+              <a:t>13/01/2025</a:t>
             </a:fld>
             <a:endParaRPr lang="en-GB"/>
           </a:p>
@@ -1882,7 +1882,7 @@
             <a:fld id="{26EA1CF3-4A15-4CBF-9A5A-6A56C368BE71}" type="datetimeFigureOut">
               <a:rPr lang="en-GB" smtClean="0"/>
               <a:pPr/>
-              <a:t>05/06/2023</a:t>
+              <a:t>13/01/2025</a:t>
             </a:fld>
             <a:endParaRPr lang="en-GB"/>
           </a:p>
@@ -1974,7 +1974,7 @@
             <a:fld id="{26EA1CF3-4A15-4CBF-9A5A-6A56C368BE71}" type="datetimeFigureOut">
               <a:rPr lang="en-GB" smtClean="0"/>
               <a:pPr/>
-              <a:t>05/06/2023</a:t>
+              <a:t>13/01/2025</a:t>
             </a:fld>
             <a:endParaRPr lang="en-GB"/>
           </a:p>
@@ -2248,7 +2248,7 @@
             <a:fld id="{26EA1CF3-4A15-4CBF-9A5A-6A56C368BE71}" type="datetimeFigureOut">
               <a:rPr lang="en-GB" smtClean="0"/>
               <a:pPr/>
-              <a:t>05/06/2023</a:t>
+              <a:t>13/01/2025</a:t>
             </a:fld>
             <a:endParaRPr lang="en-GB"/>
           </a:p>
@@ -2498,7 +2498,7 @@
             <a:fld id="{26EA1CF3-4A15-4CBF-9A5A-6A56C368BE71}" type="datetimeFigureOut">
               <a:rPr lang="en-GB" smtClean="0"/>
               <a:pPr/>
-              <a:t>05/06/2023</a:t>
+              <a:t>13/01/2025</a:t>
             </a:fld>
             <a:endParaRPr lang="en-GB"/>
           </a:p>
@@ -2711,7 +2711,7 @@
             <a:fld id="{26EA1CF3-4A15-4CBF-9A5A-6A56C368BE71}" type="datetimeFigureOut">
               <a:rPr lang="en-GB" smtClean="0"/>
               <a:pPr/>
-              <a:t>05/06/2023</a:t>
+              <a:t>13/01/2025</a:t>
             </a:fld>
             <a:endParaRPr lang="en-GB"/>
           </a:p>
@@ -3261,7 +3261,7 @@
         </p:nvSpPr>
         <p:spPr>
           <a:xfrm>
-            <a:off x="323528" y="188640"/>
+            <a:off x="203118" y="692696"/>
             <a:ext cx="8640960" cy="6480720"/>
           </a:xfrm>
         </p:spPr>
@@ -3272,7 +3272,7 @@
           <a:lstStyle/>
           <a:p>
             <a:r>
-              <a:rPr lang="en-GB" sz="5400" dirty="0">
+              <a:rPr lang="en-GB" sz="3600" dirty="0">
                 <a:solidFill>
                   <a:schemeClr val="bg1"/>
                 </a:solidFill>
@@ -3282,7 +3282,7 @@
           </a:p>
           <a:p>
             <a:r>
-              <a:rPr lang="en-GB" sz="5400" dirty="0">
+              <a:rPr lang="en-GB" sz="3600" dirty="0">
                 <a:solidFill>
                   <a:schemeClr val="bg1"/>
                 </a:solidFill>
@@ -3292,7 +3292,7 @@
           </a:p>
           <a:p>
             <a:r>
-              <a:rPr lang="en-GB" sz="5400" dirty="0">
+              <a:rPr lang="en-GB" sz="3600" dirty="0">
                 <a:solidFill>
                   <a:schemeClr val="bg1"/>
                 </a:solidFill>
@@ -3302,7 +3302,7 @@
           </a:p>
           <a:p>
             <a:r>
-              <a:rPr lang="en-GB" sz="5400" dirty="0">
+              <a:rPr lang="en-GB" sz="3600" dirty="0">
                 <a:solidFill>
                   <a:schemeClr val="bg1"/>
                 </a:solidFill>
@@ -3387,7 +3387,7 @@
         </p:nvSpPr>
         <p:spPr>
           <a:xfrm>
-            <a:off x="323528" y="188640"/>
+            <a:off x="203118" y="692696"/>
             <a:ext cx="8640960" cy="6480720"/>
           </a:xfrm>
         </p:spPr>
@@ -3398,7 +3398,7 @@
           <a:lstStyle/>
           <a:p>
             <a:r>
-              <a:rPr lang="en-GB" sz="5400" dirty="0">
+              <a:rPr lang="en-GB" sz="3600" dirty="0">
                 <a:solidFill>
                   <a:schemeClr val="bg1"/>
                 </a:solidFill>
@@ -3408,7 +3408,7 @@
           </a:p>
           <a:p>
             <a:r>
-              <a:rPr lang="en-GB" sz="5400" dirty="0">
+              <a:rPr lang="en-GB" sz="3600" dirty="0">
                 <a:solidFill>
                   <a:schemeClr val="bg1"/>
                 </a:solidFill>
@@ -3418,7 +3418,7 @@
           </a:p>
           <a:p>
             <a:r>
-              <a:rPr lang="en-GB" sz="5400" dirty="0">
+              <a:rPr lang="en-GB" sz="3600" dirty="0">
                 <a:solidFill>
                   <a:schemeClr val="bg1"/>
                 </a:solidFill>
@@ -3428,7 +3428,7 @@
           </a:p>
           <a:p>
             <a:r>
-              <a:rPr lang="en-GB" sz="5400" dirty="0">
+              <a:rPr lang="en-GB" sz="3600" dirty="0">
                 <a:solidFill>
                   <a:schemeClr val="bg1"/>
                 </a:solidFill>
@@ -3438,7 +3438,7 @@
           </a:p>
           <a:p>
             <a:r>
-              <a:rPr lang="en-GB" sz="5400" dirty="0">
+              <a:rPr lang="en-GB" sz="3600" dirty="0">
                 <a:solidFill>
                   <a:schemeClr val="bg1"/>
                 </a:solidFill>
@@ -3448,7 +3448,7 @@
           </a:p>
           <a:p>
             <a:r>
-              <a:rPr lang="en-GB" sz="5400" dirty="0">
+              <a:rPr lang="en-GB" sz="3600" dirty="0">
                 <a:solidFill>
                   <a:schemeClr val="bg1"/>
                 </a:solidFill>
@@ -3533,7 +3533,7 @@
         </p:nvSpPr>
         <p:spPr>
           <a:xfrm>
-            <a:off x="323528" y="188640"/>
+            <a:off x="251520" y="836712"/>
             <a:ext cx="8640960" cy="6480720"/>
           </a:xfrm>
         </p:spPr>
@@ -3544,7 +3544,7 @@
           <a:lstStyle/>
           <a:p>
             <a:r>
-              <a:rPr lang="en-GB" sz="5400" dirty="0">
+              <a:rPr lang="en-GB" sz="3600" dirty="0">
                 <a:solidFill>
                   <a:schemeClr val="bg1"/>
                 </a:solidFill>
@@ -3554,7 +3554,7 @@
           </a:p>
           <a:p>
             <a:r>
-              <a:rPr lang="en-GB" sz="5400" dirty="0">
+              <a:rPr lang="en-GB" sz="3600" dirty="0">
                 <a:solidFill>
                   <a:schemeClr val="bg1"/>
                 </a:solidFill>
@@ -3564,7 +3564,7 @@
           </a:p>
           <a:p>
             <a:r>
-              <a:rPr lang="en-GB" sz="5400" dirty="0">
+              <a:rPr lang="en-GB" sz="3600" dirty="0">
                 <a:solidFill>
                   <a:schemeClr val="bg1"/>
                 </a:solidFill>
@@ -3574,7 +3574,7 @@
           </a:p>
           <a:p>
             <a:r>
-              <a:rPr lang="en-GB" sz="5400" dirty="0">
+              <a:rPr lang="en-GB" sz="3600" dirty="0">
                 <a:solidFill>
                   <a:schemeClr val="bg1"/>
                 </a:solidFill>
@@ -3659,7 +3659,7 @@
         </p:nvSpPr>
         <p:spPr>
           <a:xfrm>
-            <a:off x="323528" y="188640"/>
+            <a:off x="395536" y="764704"/>
             <a:ext cx="8640960" cy="6480720"/>
           </a:xfrm>
         </p:spPr>
@@ -3670,7 +3670,7 @@
           <a:lstStyle/>
           <a:p>
             <a:r>
-              <a:rPr lang="en-GB" sz="5400" dirty="0">
+              <a:rPr lang="en-GB" sz="3600" dirty="0">
                 <a:solidFill>
                   <a:schemeClr val="bg1"/>
                 </a:solidFill>
@@ -3680,7 +3680,7 @@
           </a:p>
           <a:p>
             <a:r>
-              <a:rPr lang="en-GB" sz="5400" dirty="0">
+              <a:rPr lang="en-GB" sz="3600" dirty="0">
                 <a:solidFill>
                   <a:schemeClr val="bg1"/>
                 </a:solidFill>
@@ -3690,7 +3690,7 @@
           </a:p>
           <a:p>
             <a:r>
-              <a:rPr lang="en-GB" sz="5400" dirty="0">
+              <a:rPr lang="en-GB" sz="3600" dirty="0">
                 <a:solidFill>
                   <a:schemeClr val="bg1"/>
                 </a:solidFill>
@@ -3700,7 +3700,7 @@
           </a:p>
           <a:p>
             <a:r>
-              <a:rPr lang="en-GB" sz="5400" dirty="0">
+              <a:rPr lang="en-GB" sz="3600" dirty="0">
                 <a:solidFill>
                   <a:schemeClr val="bg1"/>
                 </a:solidFill>

--- a/docs/songs/worthy.pptx
+++ b/docs/songs/worthy.pptx
@@ -6,10 +6,12 @@
   </p:sldMasterIdLst>
   <p:sldIdLst>
     <p:sldId id="481" r:id="rId2"/>
-    <p:sldId id="482" r:id="rId3"/>
+    <p:sldId id="1318" r:id="rId3"/>
     <p:sldId id="483" r:id="rId4"/>
     <p:sldId id="484" r:id="rId5"/>
-    <p:sldId id="486" r:id="rId6"/>
+    <p:sldId id="1328" r:id="rId6"/>
+    <p:sldId id="486" r:id="rId7"/>
+    <p:sldId id="1329" r:id="rId8"/>
   </p:sldIdLst>
   <p:sldSz cx="9144000" cy="6858000" type="screen4x3"/>
   <p:notesSz cx="6858000" cy="9144000"/>
@@ -309,7 +311,7 @@
             <a:fld id="{26EA1CF3-4A15-4CBF-9A5A-6A56C368BE71}" type="datetimeFigureOut">
               <a:rPr lang="en-GB" smtClean="0"/>
               <a:pPr/>
-              <a:t>13/01/2025</a:t>
+              <a:t>25/04/2025</a:t>
             </a:fld>
             <a:endParaRPr lang="en-GB"/>
           </a:p>
@@ -476,7 +478,7 @@
             <a:fld id="{26EA1CF3-4A15-4CBF-9A5A-6A56C368BE71}" type="datetimeFigureOut">
               <a:rPr lang="en-GB" smtClean="0"/>
               <a:pPr/>
-              <a:t>13/01/2025</a:t>
+              <a:t>25/04/2025</a:t>
             </a:fld>
             <a:endParaRPr lang="en-GB"/>
           </a:p>
@@ -653,7 +655,7 @@
             <a:fld id="{26EA1CF3-4A15-4CBF-9A5A-6A56C368BE71}" type="datetimeFigureOut">
               <a:rPr lang="en-GB" smtClean="0"/>
               <a:pPr/>
-              <a:t>13/01/2025</a:t>
+              <a:t>25/04/2025</a:t>
             </a:fld>
             <a:endParaRPr lang="en-GB"/>
           </a:p>
@@ -820,7 +822,7 @@
             <a:fld id="{26EA1CF3-4A15-4CBF-9A5A-6A56C368BE71}" type="datetimeFigureOut">
               <a:rPr lang="en-GB" smtClean="0"/>
               <a:pPr/>
-              <a:t>13/01/2025</a:t>
+              <a:t>25/04/2025</a:t>
             </a:fld>
             <a:endParaRPr lang="en-GB"/>
           </a:p>
@@ -1063,7 +1065,7 @@
             <a:fld id="{26EA1CF3-4A15-4CBF-9A5A-6A56C368BE71}" type="datetimeFigureOut">
               <a:rPr lang="en-GB" smtClean="0"/>
               <a:pPr/>
-              <a:t>13/01/2025</a:t>
+              <a:t>25/04/2025</a:t>
             </a:fld>
             <a:endParaRPr lang="en-GB"/>
           </a:p>
@@ -1348,7 +1350,7 @@
             <a:fld id="{26EA1CF3-4A15-4CBF-9A5A-6A56C368BE71}" type="datetimeFigureOut">
               <a:rPr lang="en-GB" smtClean="0"/>
               <a:pPr/>
-              <a:t>13/01/2025</a:t>
+              <a:t>25/04/2025</a:t>
             </a:fld>
             <a:endParaRPr lang="en-GB"/>
           </a:p>
@@ -1767,7 +1769,7 @@
             <a:fld id="{26EA1CF3-4A15-4CBF-9A5A-6A56C368BE71}" type="datetimeFigureOut">
               <a:rPr lang="en-GB" smtClean="0"/>
               <a:pPr/>
-              <a:t>13/01/2025</a:t>
+              <a:t>25/04/2025</a:t>
             </a:fld>
             <a:endParaRPr lang="en-GB"/>
           </a:p>
@@ -1882,7 +1884,7 @@
             <a:fld id="{26EA1CF3-4A15-4CBF-9A5A-6A56C368BE71}" type="datetimeFigureOut">
               <a:rPr lang="en-GB" smtClean="0"/>
               <a:pPr/>
-              <a:t>13/01/2025</a:t>
+              <a:t>25/04/2025</a:t>
             </a:fld>
             <a:endParaRPr lang="en-GB"/>
           </a:p>
@@ -1974,7 +1976,7 @@
             <a:fld id="{26EA1CF3-4A15-4CBF-9A5A-6A56C368BE71}" type="datetimeFigureOut">
               <a:rPr lang="en-GB" smtClean="0"/>
               <a:pPr/>
-              <a:t>13/01/2025</a:t>
+              <a:t>25/04/2025</a:t>
             </a:fld>
             <a:endParaRPr lang="en-GB"/>
           </a:p>
@@ -2248,7 +2250,7 @@
             <a:fld id="{26EA1CF3-4A15-4CBF-9A5A-6A56C368BE71}" type="datetimeFigureOut">
               <a:rPr lang="en-GB" smtClean="0"/>
               <a:pPr/>
-              <a:t>13/01/2025</a:t>
+              <a:t>25/04/2025</a:t>
             </a:fld>
             <a:endParaRPr lang="en-GB"/>
           </a:p>
@@ -2498,7 +2500,7 @@
             <a:fld id="{26EA1CF3-4A15-4CBF-9A5A-6A56C368BE71}" type="datetimeFigureOut">
               <a:rPr lang="en-GB" smtClean="0"/>
               <a:pPr/>
-              <a:t>13/01/2025</a:t>
+              <a:t>25/04/2025</a:t>
             </a:fld>
             <a:endParaRPr lang="en-GB"/>
           </a:p>
@@ -2711,7 +2713,7 @@
             <a:fld id="{26EA1CF3-4A15-4CBF-9A5A-6A56C368BE71}" type="datetimeFigureOut">
               <a:rPr lang="en-GB" smtClean="0"/>
               <a:pPr/>
-              <a:t>13/01/2025</a:t>
+              <a:t>25/04/2025</a:t>
             </a:fld>
             <a:endParaRPr lang="en-GB"/>
           </a:p>
@@ -3340,7 +3342,7 @@
                   <a:schemeClr val="bg1"/>
                 </a:solidFill>
               </a:rPr>
-              <a:t>1/4</a:t>
+              <a:t>1/6</a:t>
             </a:r>
           </a:p>
         </p:txBody>
@@ -3486,7 +3488,7 @@
                   <a:schemeClr val="bg1"/>
                 </a:solidFill>
               </a:rPr>
-              <a:t>2/4</a:t>
+              <a:t>2/6</a:t>
             </a:r>
           </a:p>
         </p:txBody>
@@ -3612,7 +3614,7 @@
                   <a:schemeClr val="bg1"/>
                 </a:solidFill>
               </a:rPr>
-              <a:t>3/4</a:t>
+              <a:t>3/6</a:t>
             </a:r>
           </a:p>
         </p:txBody>
@@ -3635,6 +3637,192 @@
   <p:cSld>
     <p:spTree>
       <p:nvGrpSpPr>
+        <p:cNvPr id="1" name="">
+          <a:extLst>
+            <a:ext uri="{FF2B5EF4-FFF2-40B4-BE49-F238E27FC236}">
+              <a16:creationId xmlns:a16="http://schemas.microsoft.com/office/drawing/2014/main" id="{55DC83BE-CE00-DD01-D0D4-6AAA292070C7}"/>
+            </a:ext>
+          </a:extLst>
+        </p:cNvPr>
+        <p:cNvGrpSpPr/>
+        <p:nvPr/>
+      </p:nvGrpSpPr>
+      <p:grpSpPr>
+        <a:xfrm>
+          <a:off x="0" y="0"/>
+          <a:ext cx="0" cy="0"/>
+          <a:chOff x="0" y="0"/>
+          <a:chExt cx="0" cy="0"/>
+        </a:xfrm>
+      </p:grpSpPr>
+      <p:sp>
+        <p:nvSpPr>
+          <p:cNvPr id="3" name="Subtitle 2">
+            <a:extLst>
+              <a:ext uri="{FF2B5EF4-FFF2-40B4-BE49-F238E27FC236}">
+                <a16:creationId xmlns:a16="http://schemas.microsoft.com/office/drawing/2014/main" id="{FA20906B-F58A-70F8-899B-3C6466C66191}"/>
+              </a:ext>
+            </a:extLst>
+          </p:cNvPr>
+          <p:cNvSpPr>
+            <a:spLocks noGrp="1"/>
+          </p:cNvSpPr>
+          <p:nvPr>
+            <p:ph type="subTitle" idx="1"/>
+          </p:nvPr>
+        </p:nvSpPr>
+        <p:spPr>
+          <a:xfrm>
+            <a:off x="203118" y="692696"/>
+            <a:ext cx="8640960" cy="6480720"/>
+          </a:xfrm>
+        </p:spPr>
+        <p:txBody>
+          <a:bodyPr>
+            <a:noAutofit/>
+          </a:bodyPr>
+          <a:lstStyle/>
+          <a:p>
+            <a:r>
+              <a:rPr lang="en-GB" sz="3600" dirty="0">
+                <a:solidFill>
+                  <a:schemeClr val="bg1"/>
+                </a:solidFill>
+              </a:rPr>
+              <a:t>Worthy is Your name, Jesus</a:t>
+            </a:r>
+          </a:p>
+          <a:p>
+            <a:r>
+              <a:rPr lang="en-GB" sz="3600" dirty="0">
+                <a:solidFill>
+                  <a:schemeClr val="bg1"/>
+                </a:solidFill>
+              </a:rPr>
+              <a:t>You deserve the praise </a:t>
+            </a:r>
+          </a:p>
+          <a:p>
+            <a:r>
+              <a:rPr lang="en-GB" sz="3600" dirty="0">
+                <a:solidFill>
+                  <a:schemeClr val="bg1"/>
+                </a:solidFill>
+              </a:rPr>
+              <a:t>Worthy is Your name</a:t>
+            </a:r>
+          </a:p>
+          <a:p>
+            <a:r>
+              <a:rPr lang="en-GB" sz="3600" dirty="0">
+                <a:solidFill>
+                  <a:schemeClr val="bg1"/>
+                </a:solidFill>
+              </a:rPr>
+              <a:t>Worthy is Your name, Jesus</a:t>
+            </a:r>
+          </a:p>
+          <a:p>
+            <a:r>
+              <a:rPr lang="en-GB" sz="3600" dirty="0">
+                <a:solidFill>
+                  <a:schemeClr val="bg1"/>
+                </a:solidFill>
+              </a:rPr>
+              <a:t>You deserve the praise </a:t>
+            </a:r>
+          </a:p>
+          <a:p>
+            <a:r>
+              <a:rPr lang="en-GB" sz="3600" dirty="0">
+                <a:solidFill>
+                  <a:schemeClr val="bg1"/>
+                </a:solidFill>
+              </a:rPr>
+              <a:t>Worthy is Your name</a:t>
+            </a:r>
+            <a:br>
+              <a:rPr lang="en-GB" sz="3600" dirty="0">
+                <a:solidFill>
+                  <a:schemeClr val="bg1"/>
+                </a:solidFill>
+              </a:rPr>
+            </a:br>
+            <a:br>
+              <a:rPr lang="en-GB" sz="3600" dirty="0">
+                <a:solidFill>
+                  <a:schemeClr val="bg1"/>
+                </a:solidFill>
+              </a:rPr>
+            </a:br>
+            <a:r>
+              <a:rPr lang="en-GB" sz="3600" dirty="0">
+                <a:solidFill>
+                  <a:schemeClr val="bg1"/>
+                </a:solidFill>
+              </a:rPr>
+              <a:t>(REPEAT)</a:t>
+            </a:r>
+          </a:p>
+        </p:txBody>
+      </p:sp>
+      <p:sp>
+        <p:nvSpPr>
+          <p:cNvPr id="4" name="TextBox 3">
+            <a:extLst>
+              <a:ext uri="{FF2B5EF4-FFF2-40B4-BE49-F238E27FC236}">
+                <a16:creationId xmlns:a16="http://schemas.microsoft.com/office/drawing/2014/main" id="{DFE0C44F-CCF9-3B3B-5746-D947E7D9119C}"/>
+              </a:ext>
+            </a:extLst>
+          </p:cNvPr>
+          <p:cNvSpPr txBox="1"/>
+          <p:nvPr/>
+        </p:nvSpPr>
+        <p:spPr>
+          <a:xfrm>
+            <a:off x="8529729" y="0"/>
+            <a:ext cx="628698" cy="461665"/>
+          </a:xfrm>
+          <a:prstGeom prst="rect">
+            <a:avLst/>
+          </a:prstGeom>
+          <a:noFill/>
+        </p:spPr>
+        <p:txBody>
+          <a:bodyPr wrap="none" rtlCol="0">
+            <a:spAutoFit/>
+          </a:bodyPr>
+          <a:lstStyle/>
+          <a:p>
+            <a:r>
+              <a:rPr lang="en-GB" sz="2400" b="1" dirty="0">
+                <a:solidFill>
+                  <a:schemeClr val="bg1"/>
+                </a:solidFill>
+              </a:rPr>
+              <a:t>4/6</a:t>
+            </a:r>
+          </a:p>
+        </p:txBody>
+      </p:sp>
+    </p:spTree>
+    <p:extLst>
+      <p:ext uri="{BB962C8B-B14F-4D97-AF65-F5344CB8AC3E}">
+        <p14:creationId xmlns:p14="http://schemas.microsoft.com/office/powerpoint/2010/main" val="1841238128"/>
+      </p:ext>
+    </p:extLst>
+  </p:cSld>
+  <p:clrMapOvr>
+    <a:masterClrMapping/>
+  </p:clrMapOvr>
+</p:sld>
+</file>
+
+<file path=ppt/slides/slide6.xml><?xml version="1.0" encoding="utf-8"?>
+<p:sld xmlns:a="http://schemas.openxmlformats.org/drawingml/2006/main" xmlns:r="http://schemas.openxmlformats.org/officeDocument/2006/relationships" xmlns:p="http://schemas.openxmlformats.org/presentationml/2006/main">
+  <p:cSld>
+    <p:spTree>
+      <p:nvGrpSpPr>
         <p:cNvPr id="1" name=""/>
         <p:cNvGrpSpPr/>
         <p:nvPr/>
@@ -3707,6 +3895,28 @@
               </a:rPr>
               <a:t>You're the name above all names</a:t>
             </a:r>
+            <a:br>
+              <a:rPr lang="en-GB" sz="3600" dirty="0">
+                <a:solidFill>
+                  <a:schemeClr val="bg1"/>
+                </a:solidFill>
+              </a:rPr>
+            </a:br>
+            <a:br>
+              <a:rPr lang="en-GB" sz="3600" dirty="0">
+                <a:solidFill>
+                  <a:schemeClr val="bg1"/>
+                </a:solidFill>
+              </a:rPr>
+            </a:br>
+            <a:r>
+              <a:rPr lang="en-GB" sz="3600" dirty="0">
+                <a:solidFill>
+                  <a:schemeClr val="bg1"/>
+                </a:solidFill>
+              </a:rPr>
+              <a:t>(REPEAT)</a:t>
+            </a:r>
           </a:p>
         </p:txBody>
       </p:sp>
@@ -3738,7 +3948,7 @@
                   <a:schemeClr val="bg1"/>
                 </a:solidFill>
               </a:rPr>
-              <a:t>4/4</a:t>
+              <a:t>5/6</a:t>
             </a:r>
           </a:p>
         </p:txBody>
@@ -3747,6 +3957,170 @@
     <p:extLst>
       <p:ext uri="{BB962C8B-B14F-4D97-AF65-F5344CB8AC3E}">
         <p14:creationId xmlns:p14="http://schemas.microsoft.com/office/powerpoint/2010/main" val="1826131985"/>
+      </p:ext>
+    </p:extLst>
+  </p:cSld>
+  <p:clrMapOvr>
+    <a:masterClrMapping/>
+  </p:clrMapOvr>
+</p:sld>
+</file>
+
+<file path=ppt/slides/slide7.xml><?xml version="1.0" encoding="utf-8"?>
+<p:sld xmlns:a="http://schemas.openxmlformats.org/drawingml/2006/main" xmlns:r="http://schemas.openxmlformats.org/officeDocument/2006/relationships" xmlns:p="http://schemas.openxmlformats.org/presentationml/2006/main">
+  <p:cSld>
+    <p:spTree>
+      <p:nvGrpSpPr>
+        <p:cNvPr id="1" name="">
+          <a:extLst>
+            <a:ext uri="{FF2B5EF4-FFF2-40B4-BE49-F238E27FC236}">
+              <a16:creationId xmlns:a16="http://schemas.microsoft.com/office/drawing/2014/main" id="{C4D7C3ED-60C9-3C54-7D38-0187A5B739B7}"/>
+            </a:ext>
+          </a:extLst>
+        </p:cNvPr>
+        <p:cNvGrpSpPr/>
+        <p:nvPr/>
+      </p:nvGrpSpPr>
+      <p:grpSpPr>
+        <a:xfrm>
+          <a:off x="0" y="0"/>
+          <a:ext cx="0" cy="0"/>
+          <a:chOff x="0" y="0"/>
+          <a:chExt cx="0" cy="0"/>
+        </a:xfrm>
+      </p:grpSpPr>
+      <p:sp>
+        <p:nvSpPr>
+          <p:cNvPr id="3" name="Subtitle 2">
+            <a:extLst>
+              <a:ext uri="{FF2B5EF4-FFF2-40B4-BE49-F238E27FC236}">
+                <a16:creationId xmlns:a16="http://schemas.microsoft.com/office/drawing/2014/main" id="{EC8FCDDD-89EC-DCF3-AFEA-DA6342E2B364}"/>
+              </a:ext>
+            </a:extLst>
+          </p:cNvPr>
+          <p:cNvSpPr>
+            <a:spLocks noGrp="1"/>
+          </p:cNvSpPr>
+          <p:nvPr>
+            <p:ph type="subTitle" idx="1"/>
+          </p:nvPr>
+        </p:nvSpPr>
+        <p:spPr>
+          <a:xfrm>
+            <a:off x="203118" y="692696"/>
+            <a:ext cx="8640960" cy="6480720"/>
+          </a:xfrm>
+        </p:spPr>
+        <p:txBody>
+          <a:bodyPr>
+            <a:noAutofit/>
+          </a:bodyPr>
+          <a:lstStyle/>
+          <a:p>
+            <a:r>
+              <a:rPr lang="en-GB" sz="3600" dirty="0">
+                <a:solidFill>
+                  <a:schemeClr val="bg1"/>
+                </a:solidFill>
+              </a:rPr>
+              <a:t>Worthy is Your name, Jesus</a:t>
+            </a:r>
+          </a:p>
+          <a:p>
+            <a:r>
+              <a:rPr lang="en-GB" sz="3600" dirty="0">
+                <a:solidFill>
+                  <a:schemeClr val="bg1"/>
+                </a:solidFill>
+              </a:rPr>
+              <a:t>You deserve the praise </a:t>
+            </a:r>
+          </a:p>
+          <a:p>
+            <a:r>
+              <a:rPr lang="en-GB" sz="3600" dirty="0">
+                <a:solidFill>
+                  <a:schemeClr val="bg1"/>
+                </a:solidFill>
+              </a:rPr>
+              <a:t>Worthy is Your name</a:t>
+            </a:r>
+          </a:p>
+          <a:p>
+            <a:r>
+              <a:rPr lang="en-GB" sz="3600" dirty="0">
+                <a:solidFill>
+                  <a:schemeClr val="bg1"/>
+                </a:solidFill>
+              </a:rPr>
+              <a:t>Worthy is Your name, Jesus</a:t>
+            </a:r>
+          </a:p>
+          <a:p>
+            <a:r>
+              <a:rPr lang="en-GB" sz="3600" dirty="0">
+                <a:solidFill>
+                  <a:schemeClr val="bg1"/>
+                </a:solidFill>
+              </a:rPr>
+              <a:t>You deserve the praise </a:t>
+            </a:r>
+          </a:p>
+          <a:p>
+            <a:r>
+              <a:rPr lang="en-GB" sz="3600" dirty="0">
+                <a:solidFill>
+                  <a:schemeClr val="bg1"/>
+                </a:solidFill>
+              </a:rPr>
+              <a:t>Worthy is Your name</a:t>
+            </a:r>
+          </a:p>
+        </p:txBody>
+      </p:sp>
+      <p:sp>
+        <p:nvSpPr>
+          <p:cNvPr id="4" name="TextBox 3">
+            <a:extLst>
+              <a:ext uri="{FF2B5EF4-FFF2-40B4-BE49-F238E27FC236}">
+                <a16:creationId xmlns:a16="http://schemas.microsoft.com/office/drawing/2014/main" id="{13498436-9612-1336-27A7-8DDEA552B5CB}"/>
+              </a:ext>
+            </a:extLst>
+          </p:cNvPr>
+          <p:cNvSpPr txBox="1"/>
+          <p:nvPr/>
+        </p:nvSpPr>
+        <p:spPr>
+          <a:xfrm>
+            <a:off x="8529729" y="0"/>
+            <a:ext cx="628698" cy="461665"/>
+          </a:xfrm>
+          <a:prstGeom prst="rect">
+            <a:avLst/>
+          </a:prstGeom>
+          <a:noFill/>
+        </p:spPr>
+        <p:txBody>
+          <a:bodyPr wrap="none" rtlCol="0">
+            <a:spAutoFit/>
+          </a:bodyPr>
+          <a:lstStyle/>
+          <a:p>
+            <a:r>
+              <a:rPr lang="en-GB" sz="2400" b="1" dirty="0">
+                <a:solidFill>
+                  <a:schemeClr val="bg1"/>
+                </a:solidFill>
+              </a:rPr>
+              <a:t>6/6</a:t>
+            </a:r>
+          </a:p>
+        </p:txBody>
+      </p:sp>
+    </p:spTree>
+    <p:extLst>
+      <p:ext uri="{BB962C8B-B14F-4D97-AF65-F5344CB8AC3E}">
+        <p14:creationId xmlns:p14="http://schemas.microsoft.com/office/powerpoint/2010/main" val="671210789"/>
       </p:ext>
     </p:extLst>
   </p:cSld>
